--- a/Slides/Lesson14.pptx
+++ b/Slides/Lesson14.pptx
@@ -24,11 +24,11 @@
     <p:sldId id="303" r:id="rId15"/>
     <p:sldId id="302" r:id="rId16"/>
     <p:sldId id="304" r:id="rId17"/>
-    <p:sldId id="305" r:id="rId18"/>
-    <p:sldId id="306" r:id="rId19"/>
-    <p:sldId id="307" r:id="rId20"/>
-    <p:sldId id="308" r:id="rId21"/>
-    <p:sldId id="309" r:id="rId22"/>
+    <p:sldId id="306" r:id="rId18"/>
+    <p:sldId id="307" r:id="rId19"/>
+    <p:sldId id="308" r:id="rId20"/>
+    <p:sldId id="309" r:id="rId21"/>
+    <p:sldId id="305" r:id="rId22"/>
     <p:sldId id="310" r:id="rId23"/>
     <p:sldId id="311" r:id="rId24"/>
     <p:sldId id="312" r:id="rId25"/>
@@ -3689,7 +3689,7 @@
               <a:t>structs</a:t>
             </a:r>
             <a:r>
-              <a:rPr lang="en-US" smtClean="0"/>
+              <a:rPr lang="en-US" dirty="0" smtClean="0"/>
               <a:t> &amp; unions </a:t>
             </a:r>
             <a:endParaRPr lang="en-US" dirty="0"/>
@@ -3830,6 +3830,13 @@
   <p:clrMapOvr>
     <a:masterClrMapping/>
   </p:clrMapOvr>
+  <p:timing>
+    <p:tnLst>
+      <p:par>
+        <p:cTn id="1" dur="indefinite" restart="never" nodeType="tmRoot"/>
+      </p:par>
+    </p:tnLst>
+  </p:timing>
 </p:sld>
 </file>
 
@@ -4045,6 +4052,13 @@
   <p:clrMapOvr>
     <a:masterClrMapping/>
   </p:clrMapOvr>
+  <p:timing>
+    <p:tnLst>
+      <p:par>
+        <p:cTn id="1" dur="indefinite" restart="never" nodeType="tmRoot"/>
+      </p:par>
+    </p:tnLst>
+  </p:timing>
 </p:sld>
 </file>
 
@@ -4312,6 +4326,13 @@
   <p:clrMapOvr>
     <a:masterClrMapping/>
   </p:clrMapOvr>
+  <p:timing>
+    <p:tnLst>
+      <p:par>
+        <p:cTn id="1" dur="indefinite" restart="never" nodeType="tmRoot"/>
+      </p:par>
+    </p:tnLst>
+  </p:timing>
 </p:sld>
 </file>
 
@@ -4435,6 +4456,13 @@
   <p:clrMapOvr>
     <a:masterClrMapping/>
   </p:clrMapOvr>
+  <p:timing>
+    <p:tnLst>
+      <p:par>
+        <p:cTn id="1" dur="indefinite" restart="never" nodeType="tmRoot"/>
+      </p:par>
+    </p:tnLst>
+  </p:timing>
 </p:sld>
 </file>
 
@@ -4565,6 +4593,13 @@
   <p:clrMapOvr>
     <a:masterClrMapping/>
   </p:clrMapOvr>
+  <p:timing>
+    <p:tnLst>
+      <p:par>
+        <p:cTn id="1" dur="indefinite" restart="never" nodeType="tmRoot"/>
+      </p:par>
+    </p:tnLst>
+  </p:timing>
 </p:sld>
 </file>
 
@@ -4659,6 +4694,13 @@
   <p:clrMapOvr>
     <a:masterClrMapping/>
   </p:clrMapOvr>
+  <p:timing>
+    <p:tnLst>
+      <p:par>
+        <p:cTn id="1" dur="indefinite" restart="never" nodeType="tmRoot"/>
+      </p:par>
+    </p:tnLst>
+  </p:timing>
 </p:sld>
 </file>
 
@@ -4735,6 +4777,13 @@
   <p:clrMapOvr>
     <a:masterClrMapping/>
   </p:clrMapOvr>
+  <p:timing>
+    <p:tnLst>
+      <p:par>
+        <p:cTn id="1" dur="indefinite" restart="never" nodeType="tmRoot"/>
+      </p:par>
+    </p:tnLst>
+  </p:timing>
 </p:sld>
 </file>
 
@@ -4765,14 +4814,19 @@
             <p:ph type="title"/>
           </p:nvPr>
         </p:nvSpPr>
-        <p:spPr/>
+        <p:spPr>
+          <a:xfrm>
+            <a:off x="457200" y="274638"/>
+            <a:ext cx="7620000" cy="549821"/>
+          </a:xfrm>
+        </p:spPr>
         <p:txBody>
           <a:bodyPr/>
           <a:lstStyle/>
           <a:p>
             <a:r>
-              <a:rPr lang="en-US" dirty="0" smtClean="0"/>
-              <a:t>Try it:</a:t>
+              <a:rPr lang="en-US" dirty="0" err="1" smtClean="0"/>
+              <a:t>Typedef</a:t>
             </a:r>
             <a:endParaRPr lang="en-US" dirty="0"/>
           </a:p>
@@ -4785,101 +4839,325 @@
             <a:spLocks noGrp="1"/>
           </p:cNvSpPr>
           <p:nvPr>
-            <p:ph idx="1"/>
+            <p:ph sz="half" idx="1"/>
           </p:nvPr>
         </p:nvSpPr>
         <p:spPr/>
         <p:txBody>
           <a:bodyPr>
-            <a:normAutofit fontScale="92500" lnSpcReduction="20000"/>
+            <a:normAutofit fontScale="85000" lnSpcReduction="20000"/>
           </a:bodyPr>
           <a:lstStyle/>
           <a:p>
             <a:r>
               <a:rPr lang="en-US" dirty="0" smtClean="0"/>
-              <a:t>We want to record:</a:t>
-            </a:r>
-          </a:p>
-          <a:p>
-            <a:endParaRPr lang="en-US" dirty="0"/>
-          </a:p>
-          <a:p>
-            <a:r>
-              <a:rPr lang="en-US" dirty="0" smtClean="0"/>
-              <a:t>Exercise:</a:t>
-            </a:r>
-          </a:p>
-          <a:p>
-            <a:pPr lvl="1"/>
-            <a:r>
-              <a:rPr lang="en-US" dirty="0" smtClean="0"/>
-              <a:t>Description</a:t>
-            </a:r>
-          </a:p>
-          <a:p>
-            <a:pPr lvl="1"/>
-            <a:r>
-              <a:rPr lang="en-US" dirty="0" smtClean="0"/>
-              <a:t>Duration</a:t>
-            </a:r>
-          </a:p>
-          <a:p>
-            <a:pPr lvl="1"/>
-            <a:endParaRPr lang="en-US" dirty="0"/>
-          </a:p>
-          <a:p>
-            <a:r>
-              <a:rPr lang="en-US" dirty="0" smtClean="0"/>
-              <a:t>Meal:</a:t>
-            </a:r>
-          </a:p>
-          <a:p>
-            <a:pPr lvl="1"/>
-            <a:r>
-              <a:rPr lang="en-US" dirty="0" smtClean="0"/>
-              <a:t>Ingredients</a:t>
-            </a:r>
-          </a:p>
-          <a:p>
-            <a:pPr lvl="1"/>
-            <a:r>
-              <a:rPr lang="en-US" dirty="0" smtClean="0"/>
-              <a:t>Weight</a:t>
-            </a:r>
-          </a:p>
-          <a:p>
-            <a:pPr lvl="1"/>
-            <a:endParaRPr lang="en-US" dirty="0"/>
-          </a:p>
-          <a:p>
-            <a:r>
-              <a:rPr lang="en-US" dirty="0" smtClean="0"/>
-              <a:t>Preferences:</a:t>
-            </a:r>
-          </a:p>
-          <a:p>
-            <a:pPr lvl="1"/>
-            <a:r>
-              <a:rPr lang="en-US" dirty="0" smtClean="0"/>
-              <a:t>Food</a:t>
-            </a:r>
-          </a:p>
-          <a:p>
-            <a:pPr lvl="1"/>
-            <a:r>
-              <a:rPr lang="en-US" dirty="0" smtClean="0"/>
-              <a:t>Exercise</a:t>
-            </a:r>
-          </a:p>
-          <a:p>
-            <a:pPr lvl="1"/>
-            <a:endParaRPr lang="en-US" dirty="0"/>
-          </a:p>
-          <a:p>
-            <a:r>
-              <a:rPr lang="en-US" dirty="0" smtClean="0"/>
-              <a:t>In addition to the Pet data </a:t>
-            </a:r>
+              <a:t>You can give your structure a proper name using </a:t>
+            </a:r>
+            <a:r>
+              <a:rPr lang="en-US" b="1" dirty="0" err="1" smtClean="0">
+                <a:solidFill>
+                  <a:srgbClr val="FF0000"/>
+                </a:solidFill>
+              </a:rPr>
+              <a:t>typedef</a:t>
+            </a:r>
+            <a:endParaRPr lang="en-US" b="1" dirty="0" smtClean="0">
+              <a:solidFill>
+                <a:srgbClr val="FF0000"/>
+              </a:solidFill>
+            </a:endParaRPr>
+          </a:p>
+          <a:p>
+            <a:endParaRPr lang="en-US" b="1" dirty="0">
+              <a:solidFill>
+                <a:srgbClr val="FF0000"/>
+              </a:solidFill>
+            </a:endParaRPr>
+          </a:p>
+          <a:p>
+            <a:pPr marL="114300" indent="0">
+              <a:buNone/>
+            </a:pPr>
+            <a:r>
+              <a:rPr lang="en-US" b="1" dirty="0" err="1" smtClean="0"/>
+              <a:t>struct</a:t>
+            </a:r>
+            <a:r>
+              <a:rPr lang="en-US" b="1" dirty="0" smtClean="0"/>
+              <a:t> </a:t>
+            </a:r>
+            <a:r>
+              <a:rPr lang="en-US" b="1" dirty="0" err="1" smtClean="0"/>
+              <a:t>cell_phone</a:t>
+            </a:r>
+            <a:endParaRPr lang="en-US" b="1" dirty="0" smtClean="0"/>
+          </a:p>
+          <a:p>
+            <a:pPr marL="114300" indent="0">
+              <a:buNone/>
+            </a:pPr>
+            <a:r>
+              <a:rPr lang="en-US" b="1" dirty="0" smtClean="0"/>
+              <a:t>{</a:t>
+            </a:r>
+          </a:p>
+          <a:p>
+            <a:pPr marL="114300" indent="0">
+              <a:buNone/>
+            </a:pPr>
+            <a:r>
+              <a:rPr lang="en-US" b="1" dirty="0"/>
+              <a:t> </a:t>
+            </a:r>
+            <a:r>
+              <a:rPr lang="en-US" b="1" dirty="0" smtClean="0"/>
+              <a:t>  </a:t>
+            </a:r>
+            <a:r>
+              <a:rPr lang="en-US" b="1" dirty="0" err="1" smtClean="0"/>
+              <a:t>int</a:t>
+            </a:r>
+            <a:r>
+              <a:rPr lang="en-US" b="1" dirty="0" smtClean="0"/>
+              <a:t> </a:t>
+            </a:r>
+            <a:r>
+              <a:rPr lang="en-US" b="1" dirty="0" err="1" smtClean="0"/>
+              <a:t>cell_no</a:t>
+            </a:r>
+            <a:r>
+              <a:rPr lang="en-US" b="1" dirty="0" smtClean="0"/>
+              <a:t>;</a:t>
+            </a:r>
+          </a:p>
+          <a:p>
+            <a:pPr marL="114300" indent="0">
+              <a:buNone/>
+            </a:pPr>
+            <a:r>
+              <a:rPr lang="en-US" b="1" dirty="0"/>
+              <a:t> </a:t>
+            </a:r>
+            <a:r>
+              <a:rPr lang="en-US" b="1" dirty="0" smtClean="0"/>
+              <a:t>  float minutes;</a:t>
+            </a:r>
+          </a:p>
+          <a:p>
+            <a:pPr marL="114300" indent="0">
+              <a:buNone/>
+            </a:pPr>
+            <a:r>
+              <a:rPr lang="en-US" b="1" dirty="0"/>
+              <a:t>}</a:t>
+            </a:r>
+            <a:r>
+              <a:rPr lang="en-US" b="1" dirty="0" smtClean="0"/>
+              <a:t> </a:t>
+            </a:r>
+          </a:p>
+          <a:p>
+            <a:pPr marL="114300" indent="0">
+              <a:buNone/>
+            </a:pPr>
+            <a:endParaRPr lang="en-US" b="1" dirty="0"/>
+          </a:p>
+          <a:p>
+            <a:pPr marL="114300" indent="0">
+              <a:buNone/>
+            </a:pPr>
+            <a:r>
+              <a:rPr lang="en-US" b="1" dirty="0" err="1" smtClean="0"/>
+              <a:t>Struct</a:t>
+            </a:r>
+            <a:r>
+              <a:rPr lang="en-US" b="1" dirty="0" smtClean="0"/>
+              <a:t> </a:t>
+            </a:r>
+            <a:r>
+              <a:rPr lang="en-US" b="1" dirty="0" err="1" smtClean="0"/>
+              <a:t>cell_phone</a:t>
+            </a:r>
+            <a:r>
+              <a:rPr lang="en-US" b="1" dirty="0" smtClean="0"/>
+              <a:t> p = {5551212, 1.35”</a:t>
+            </a:r>
+            <a:endParaRPr lang="en-US" b="1" dirty="0"/>
+          </a:p>
+        </p:txBody>
+      </p:sp>
+      <p:sp>
+        <p:nvSpPr>
+          <p:cNvPr id="4" name="Content Placeholder 3"/>
+          <p:cNvSpPr>
+            <a:spLocks noGrp="1"/>
+          </p:cNvSpPr>
+          <p:nvPr>
+            <p:ph sz="half" idx="2"/>
+          </p:nvPr>
+        </p:nvSpPr>
+        <p:spPr>
+          <a:xfrm>
+            <a:off x="4114800" y="1536192"/>
+            <a:ext cx="3657600" cy="4115100"/>
+          </a:xfrm>
+        </p:spPr>
+        <p:txBody>
+          <a:bodyPr>
+            <a:normAutofit fontScale="85000" lnSpcReduction="20000"/>
+          </a:bodyPr>
+          <a:lstStyle/>
+          <a:p>
+            <a:pPr marL="114300" indent="0">
+              <a:buNone/>
+            </a:pPr>
+            <a:r>
+              <a:rPr lang="en-US" b="1" dirty="0" err="1">
+                <a:solidFill>
+                  <a:srgbClr val="FF0000"/>
+                </a:solidFill>
+              </a:rPr>
+              <a:t>t</a:t>
+            </a:r>
+            <a:r>
+              <a:rPr lang="en-US" b="1" dirty="0" err="1" smtClean="0">
+                <a:solidFill>
+                  <a:srgbClr val="FF0000"/>
+                </a:solidFill>
+              </a:rPr>
+              <a:t>ypedef</a:t>
+            </a:r>
+            <a:r>
+              <a:rPr lang="en-US" b="1" dirty="0" smtClean="0">
+                <a:solidFill>
+                  <a:srgbClr val="FF0000"/>
+                </a:solidFill>
+              </a:rPr>
+              <a:t> </a:t>
+            </a:r>
+            <a:r>
+              <a:rPr lang="en-US" b="1" dirty="0" err="1" smtClean="0"/>
+              <a:t>struct</a:t>
+            </a:r>
+            <a:r>
+              <a:rPr lang="en-US" b="1" dirty="0" smtClean="0"/>
+              <a:t> </a:t>
+            </a:r>
+            <a:r>
+              <a:rPr lang="en-US" b="1" dirty="0" err="1"/>
+              <a:t>cell_phone</a:t>
+            </a:r>
+            <a:endParaRPr lang="en-US" b="1" dirty="0"/>
+          </a:p>
+          <a:p>
+            <a:pPr marL="114300" indent="0">
+              <a:buNone/>
+            </a:pPr>
+            <a:r>
+              <a:rPr lang="en-US" b="1" dirty="0"/>
+              <a:t>{</a:t>
+            </a:r>
+          </a:p>
+          <a:p>
+            <a:pPr marL="114300" indent="0">
+              <a:buNone/>
+            </a:pPr>
+            <a:r>
+              <a:rPr lang="en-US" b="1" dirty="0"/>
+              <a:t>   </a:t>
+            </a:r>
+            <a:r>
+              <a:rPr lang="en-US" b="1" dirty="0" err="1"/>
+              <a:t>int</a:t>
+            </a:r>
+            <a:r>
+              <a:rPr lang="en-US" b="1" dirty="0"/>
+              <a:t> </a:t>
+            </a:r>
+            <a:r>
+              <a:rPr lang="en-US" b="1" dirty="0" err="1"/>
+              <a:t>cell_no</a:t>
+            </a:r>
+            <a:r>
+              <a:rPr lang="en-US" b="1" dirty="0"/>
+              <a:t>;</a:t>
+            </a:r>
+          </a:p>
+          <a:p>
+            <a:pPr marL="114300" indent="0">
+              <a:buNone/>
+            </a:pPr>
+            <a:r>
+              <a:rPr lang="en-US" b="1" dirty="0"/>
+              <a:t>   float minutes;</a:t>
+            </a:r>
+          </a:p>
+          <a:p>
+            <a:pPr marL="114300" indent="0">
+              <a:buNone/>
+            </a:pPr>
+            <a:r>
+              <a:rPr lang="en-US" b="1" dirty="0"/>
+              <a:t>} </a:t>
+            </a:r>
+            <a:r>
+              <a:rPr lang="en-US" b="1" dirty="0" smtClean="0"/>
+              <a:t>phone;</a:t>
+            </a:r>
+          </a:p>
+          <a:p>
+            <a:pPr marL="114300" indent="0">
+              <a:buNone/>
+            </a:pPr>
+            <a:endParaRPr lang="en-US" b="1" dirty="0"/>
+          </a:p>
+          <a:p>
+            <a:pPr>
+              <a:buFont typeface="Arial" charset="0"/>
+              <a:buChar char="•"/>
+            </a:pPr>
+            <a:r>
+              <a:rPr lang="en-US" b="1" dirty="0" smtClean="0">
+                <a:solidFill>
+                  <a:srgbClr val="FF0000"/>
+                </a:solidFill>
+              </a:rPr>
+              <a:t>Phone becomes an alias</a:t>
+            </a:r>
+          </a:p>
+          <a:p>
+            <a:pPr>
+              <a:buFont typeface="Arial" charset="0"/>
+              <a:buChar char="•"/>
+            </a:pPr>
+            <a:endParaRPr lang="en-US" b="1" dirty="0">
+              <a:solidFill>
+                <a:srgbClr val="FF0000"/>
+              </a:solidFill>
+            </a:endParaRPr>
+          </a:p>
+          <a:p>
+            <a:pPr>
+              <a:buFont typeface="Arial" charset="0"/>
+              <a:buChar char="•"/>
+            </a:pPr>
+            <a:r>
+              <a:rPr lang="en-US" dirty="0"/>
+              <a:t>phone p = { 5551212, 1.35}</a:t>
+            </a:r>
+          </a:p>
+          <a:p>
+            <a:pPr>
+              <a:buFont typeface="Arial" charset="0"/>
+              <a:buChar char="•"/>
+            </a:pPr>
+            <a:endParaRPr lang="en-US" b="1" dirty="0">
+              <a:solidFill>
+                <a:srgbClr val="FF0000"/>
+              </a:solidFill>
+            </a:endParaRPr>
+          </a:p>
+          <a:p>
             <a:endParaRPr lang="en-US" dirty="0"/>
           </a:p>
         </p:txBody>
@@ -4887,7 +5165,7 @@
     </p:spTree>
     <p:extLst>
       <p:ext uri="{BB962C8B-B14F-4D97-AF65-F5344CB8AC3E}">
-        <p14:creationId xmlns:p14="http://schemas.microsoft.com/office/powerpoint/2010/main" val="109788240"/>
+        <p14:creationId xmlns:p14="http://schemas.microsoft.com/office/powerpoint/2010/main" val="1007169565"/>
       </p:ext>
     </p:extLst>
   </p:cSld>
@@ -4916,7 +5194,7 @@
       </p:grpSpPr>
       <p:sp>
         <p:nvSpPr>
-          <p:cNvPr id="2" name="Title 1"/>
+          <p:cNvPr id="5" name="Title 4"/>
           <p:cNvSpPr>
             <a:spLocks noGrp="1"/>
           </p:cNvSpPr>
@@ -4924,119 +5202,95 @@
             <p:ph type="title"/>
           </p:nvPr>
         </p:nvSpPr>
-        <p:spPr>
-          <a:xfrm>
-            <a:off x="457200" y="274638"/>
-            <a:ext cx="7620000" cy="549821"/>
-          </a:xfrm>
-        </p:spPr>
+        <p:spPr/>
         <p:txBody>
           <a:bodyPr/>
           <a:lstStyle/>
           <a:p>
             <a:r>
               <a:rPr lang="en-US" dirty="0" err="1" smtClean="0"/>
+              <a:t>typedef</a:t>
+            </a:r>
+            <a:endParaRPr lang="en-US" dirty="0"/>
+          </a:p>
+        </p:txBody>
+      </p:sp>
+      <p:sp>
+        <p:nvSpPr>
+          <p:cNvPr id="6" name="Content Placeholder 5"/>
+          <p:cNvSpPr>
+            <a:spLocks noGrp="1"/>
+          </p:cNvSpPr>
+          <p:nvPr>
+            <p:ph idx="1"/>
+          </p:nvPr>
+        </p:nvSpPr>
+        <p:spPr/>
+        <p:txBody>
+          <a:bodyPr>
+            <a:normAutofit/>
+          </a:bodyPr>
+          <a:lstStyle/>
+          <a:p>
+            <a:r>
+              <a:rPr lang="en-US" dirty="0" smtClean="0"/>
+              <a:t>You can usually skip the first name !</a:t>
+            </a:r>
+          </a:p>
+          <a:p>
+            <a:endParaRPr lang="en-US" dirty="0"/>
+          </a:p>
+          <a:p>
+            <a:endParaRPr lang="en-US" dirty="0" smtClean="0"/>
+          </a:p>
+          <a:p>
+            <a:pPr marL="114300" indent="0">
+              <a:buNone/>
+            </a:pPr>
+            <a:r>
+              <a:rPr lang="en-US" b="1" dirty="0" err="1"/>
               <a:t>Typedef</a:t>
             </a:r>
-            <a:endParaRPr lang="en-US" dirty="0"/>
-          </a:p>
-        </p:txBody>
-      </p:sp>
-      <p:sp>
-        <p:nvSpPr>
-          <p:cNvPr id="3" name="Content Placeholder 2"/>
-          <p:cNvSpPr>
-            <a:spLocks noGrp="1"/>
-          </p:cNvSpPr>
-          <p:nvPr>
-            <p:ph sz="half" idx="1"/>
-          </p:nvPr>
-        </p:nvSpPr>
-        <p:spPr/>
-        <p:txBody>
-          <a:bodyPr>
-            <a:normAutofit fontScale="85000" lnSpcReduction="20000"/>
-          </a:bodyPr>
-          <a:lstStyle/>
-          <a:p>
-            <a:r>
-              <a:rPr lang="en-US" dirty="0" smtClean="0"/>
-              <a:t>You can give your structure a proper name using </a:t>
-            </a:r>
-            <a:r>
-              <a:rPr lang="en-US" b="1" dirty="0" err="1" smtClean="0">
-                <a:solidFill>
-                  <a:srgbClr val="FF0000"/>
-                </a:solidFill>
-              </a:rPr>
-              <a:t>typedef</a:t>
-            </a:r>
-            <a:endParaRPr lang="en-US" b="1" dirty="0" smtClean="0">
-              <a:solidFill>
-                <a:srgbClr val="FF0000"/>
-              </a:solidFill>
-            </a:endParaRPr>
-          </a:p>
-          <a:p>
-            <a:endParaRPr lang="en-US" b="1" dirty="0">
-              <a:solidFill>
-                <a:srgbClr val="FF0000"/>
-              </a:solidFill>
-            </a:endParaRPr>
-          </a:p>
-          <a:p>
-            <a:pPr marL="114300" indent="0">
-              <a:buNone/>
-            </a:pPr>
-            <a:r>
-              <a:rPr lang="en-US" b="1" dirty="0" err="1" smtClean="0"/>
+            <a:r>
+              <a:rPr lang="en-US" b="1" dirty="0"/>
+              <a:t> </a:t>
+            </a:r>
+            <a:r>
+              <a:rPr lang="en-US" b="1" dirty="0" err="1"/>
               <a:t>struct</a:t>
             </a:r>
             <a:r>
-              <a:rPr lang="en-US" b="1" dirty="0" smtClean="0"/>
+              <a:rPr lang="en-US" b="1" dirty="0"/>
               <a:t> </a:t>
             </a:r>
-            <a:r>
-              <a:rPr lang="en-US" b="1" dirty="0" err="1" smtClean="0"/>
-              <a:t>cell_phone</a:t>
-            </a:r>
-            <a:endParaRPr lang="en-US" b="1" dirty="0" smtClean="0"/>
-          </a:p>
-          <a:p>
-            <a:pPr marL="114300" indent="0">
-              <a:buNone/>
-            </a:pPr>
             <a:r>
               <a:rPr lang="en-US" b="1" dirty="0" smtClean="0"/>
               <a:t>{</a:t>
             </a:r>
+            <a:endParaRPr lang="en-US" b="1" dirty="0"/>
           </a:p>
           <a:p>
             <a:pPr marL="114300" indent="0">
               <a:buNone/>
             </a:pPr>
+            <a:r>
+              <a:rPr lang="en-US" b="1" dirty="0"/>
+              <a:t>   </a:t>
+            </a:r>
+            <a:r>
+              <a:rPr lang="en-US" b="1" dirty="0" err="1"/>
+              <a:t>int</a:t>
+            </a:r>
             <a:r>
               <a:rPr lang="en-US" b="1" dirty="0"/>
               <a:t> </a:t>
             </a:r>
             <a:r>
-              <a:rPr lang="en-US" b="1" dirty="0" smtClean="0"/>
-              <a:t>  </a:t>
-            </a:r>
-            <a:r>
-              <a:rPr lang="en-US" b="1" dirty="0" err="1" smtClean="0"/>
-              <a:t>int</a:t>
-            </a:r>
-            <a:r>
-              <a:rPr lang="en-US" b="1" dirty="0" smtClean="0"/>
-              <a:t> </a:t>
-            </a:r>
-            <a:r>
-              <a:rPr lang="en-US" b="1" dirty="0" err="1" smtClean="0"/>
+              <a:rPr lang="en-US" b="1" dirty="0" err="1"/>
               <a:t>cell_no</a:t>
             </a:r>
             <a:r>
-              <a:rPr lang="en-US" b="1" dirty="0" smtClean="0"/>
+              <a:rPr lang="en-US" b="1" dirty="0"/>
               <a:t>;</a:t>
             </a:r>
           </a:p>
@@ -5046,11 +5300,7 @@
             </a:pPr>
             <a:r>
               <a:rPr lang="en-US" b="1" dirty="0"/>
-              <a:t> </a:t>
-            </a:r>
-            <a:r>
-              <a:rPr lang="en-US" b="1" dirty="0" smtClean="0"/>
-              <a:t>  float minutes;</a:t>
+              <a:t>   float minutes;</a:t>
             </a:r>
           </a:p>
           <a:p>
@@ -5059,11 +5309,7 @@
             </a:pPr>
             <a:r>
               <a:rPr lang="en-US" b="1" dirty="0"/>
-              <a:t>}</a:t>
-            </a:r>
-            <a:r>
-              <a:rPr lang="en-US" b="1" dirty="0" smtClean="0"/>
-              <a:t> </a:t>
+              <a:t>} phone;</a:t>
             </a:r>
           </a:p>
           <a:p>
@@ -5075,154 +5321,6 @@
           <a:p>
             <a:pPr marL="114300" indent="0">
               <a:buNone/>
-            </a:pPr>
-            <a:r>
-              <a:rPr lang="en-US" b="1" dirty="0" err="1" smtClean="0"/>
-              <a:t>Struct</a:t>
-            </a:r>
-            <a:r>
-              <a:rPr lang="en-US" b="1" dirty="0" smtClean="0"/>
-              <a:t> </a:t>
-            </a:r>
-            <a:r>
-              <a:rPr lang="en-US" b="1" dirty="0" err="1" smtClean="0"/>
-              <a:t>cell_phone</a:t>
-            </a:r>
-            <a:r>
-              <a:rPr lang="en-US" b="1" dirty="0" smtClean="0"/>
-              <a:t> p = {5551212, 1.35”</a:t>
-            </a:r>
-            <a:endParaRPr lang="en-US" b="1" dirty="0"/>
-          </a:p>
-        </p:txBody>
-      </p:sp>
-      <p:sp>
-        <p:nvSpPr>
-          <p:cNvPr id="4" name="Content Placeholder 3"/>
-          <p:cNvSpPr>
-            <a:spLocks noGrp="1"/>
-          </p:cNvSpPr>
-          <p:nvPr>
-            <p:ph sz="half" idx="2"/>
-          </p:nvPr>
-        </p:nvSpPr>
-        <p:spPr>
-          <a:xfrm>
-            <a:off x="4114800" y="1536192"/>
-            <a:ext cx="3657600" cy="4115100"/>
-          </a:xfrm>
-        </p:spPr>
-        <p:txBody>
-          <a:bodyPr>
-            <a:normAutofit fontScale="85000" lnSpcReduction="20000"/>
-          </a:bodyPr>
-          <a:lstStyle/>
-          <a:p>
-            <a:pPr marL="114300" indent="0">
-              <a:buNone/>
-            </a:pPr>
-            <a:r>
-              <a:rPr lang="en-US" b="1" dirty="0" err="1" smtClean="0"/>
-              <a:t>Typedef</a:t>
-            </a:r>
-            <a:r>
-              <a:rPr lang="en-US" b="1" dirty="0" smtClean="0"/>
-              <a:t> </a:t>
-            </a:r>
-            <a:r>
-              <a:rPr lang="en-US" b="1" dirty="0" err="1" smtClean="0"/>
-              <a:t>struct</a:t>
-            </a:r>
-            <a:r>
-              <a:rPr lang="en-US" b="1" dirty="0" smtClean="0"/>
-              <a:t> </a:t>
-            </a:r>
-            <a:r>
-              <a:rPr lang="en-US" b="1" dirty="0" err="1"/>
-              <a:t>cell_phone</a:t>
-            </a:r>
-            <a:endParaRPr lang="en-US" b="1" dirty="0"/>
-          </a:p>
-          <a:p>
-            <a:pPr marL="114300" indent="0">
-              <a:buNone/>
-            </a:pPr>
-            <a:r>
-              <a:rPr lang="en-US" b="1" dirty="0"/>
-              <a:t>{</a:t>
-            </a:r>
-          </a:p>
-          <a:p>
-            <a:pPr marL="114300" indent="0">
-              <a:buNone/>
-            </a:pPr>
-            <a:r>
-              <a:rPr lang="en-US" b="1" dirty="0"/>
-              <a:t>   </a:t>
-            </a:r>
-            <a:r>
-              <a:rPr lang="en-US" b="1" dirty="0" err="1"/>
-              <a:t>int</a:t>
-            </a:r>
-            <a:r>
-              <a:rPr lang="en-US" b="1" dirty="0"/>
-              <a:t> </a:t>
-            </a:r>
-            <a:r>
-              <a:rPr lang="en-US" b="1" dirty="0" err="1"/>
-              <a:t>cell_no</a:t>
-            </a:r>
-            <a:r>
-              <a:rPr lang="en-US" b="1" dirty="0"/>
-              <a:t>;</a:t>
-            </a:r>
-          </a:p>
-          <a:p>
-            <a:pPr marL="114300" indent="0">
-              <a:buNone/>
-            </a:pPr>
-            <a:r>
-              <a:rPr lang="en-US" b="1" dirty="0"/>
-              <a:t>   float minutes;</a:t>
-            </a:r>
-          </a:p>
-          <a:p>
-            <a:pPr marL="114300" indent="0">
-              <a:buNone/>
-            </a:pPr>
-            <a:r>
-              <a:rPr lang="en-US" b="1" dirty="0"/>
-              <a:t>} </a:t>
-            </a:r>
-            <a:r>
-              <a:rPr lang="en-US" b="1" dirty="0" smtClean="0"/>
-              <a:t>phone;</a:t>
-            </a:r>
-          </a:p>
-          <a:p>
-            <a:pPr marL="114300" indent="0">
-              <a:buNone/>
-            </a:pPr>
-            <a:endParaRPr lang="en-US" b="1" dirty="0"/>
-          </a:p>
-          <a:p>
-            <a:pPr>
-              <a:buFont typeface="Arial" charset="0"/>
-              <a:buChar char="•"/>
-            </a:pPr>
-            <a:r>
-              <a:rPr lang="en-US" b="1" dirty="0" smtClean="0">
-                <a:solidFill>
-                  <a:srgbClr val="FF0000"/>
-                </a:solidFill>
-              </a:rPr>
-              <a:t>Phone becomes an alias</a:t>
-            </a:r>
-          </a:p>
-          <a:p>
-            <a:pPr>
-              <a:buFont typeface="Arial" charset="0"/>
-              <a:buChar char="•"/>
             </a:pPr>
             <a:endParaRPr lang="en-US" b="1" dirty="0">
               <a:solidFill>
@@ -5241,15 +5339,13 @@
             </a:r>
           </a:p>
           <a:p>
-            <a:pPr>
-              <a:buFont typeface="Arial" charset="0"/>
-              <a:buChar char="•"/>
-            </a:pPr>
-            <a:endParaRPr lang="en-US" b="1" dirty="0">
-              <a:solidFill>
-                <a:srgbClr val="FF0000"/>
-              </a:solidFill>
-            </a:endParaRPr>
+            <a:endParaRPr lang="en-US" dirty="0" smtClean="0"/>
+          </a:p>
+          <a:p>
+            <a:endParaRPr lang="en-US" dirty="0"/>
+          </a:p>
+          <a:p>
+            <a:endParaRPr lang="en-US" dirty="0" smtClean="0"/>
           </a:p>
           <a:p>
             <a:endParaRPr lang="en-US" dirty="0"/>
@@ -5259,7 +5355,7 @@
     </p:spTree>
     <p:extLst>
       <p:ext uri="{BB962C8B-B14F-4D97-AF65-F5344CB8AC3E}">
-        <p14:creationId xmlns:p14="http://schemas.microsoft.com/office/powerpoint/2010/main" val="1007169565"/>
+        <p14:creationId xmlns:p14="http://schemas.microsoft.com/office/powerpoint/2010/main" val="60603683"/>
       </p:ext>
     </p:extLst>
   </p:cSld>
@@ -5288,7 +5384,7 @@
       </p:grpSpPr>
       <p:sp>
         <p:nvSpPr>
-          <p:cNvPr id="5" name="Title 4"/>
+          <p:cNvPr id="2" name="Title 1"/>
           <p:cNvSpPr>
             <a:spLocks noGrp="1"/>
           </p:cNvSpPr>
@@ -5302,8 +5398,12 @@
           <a:lstStyle/>
           <a:p>
             <a:r>
+              <a:rPr lang="en-US" dirty="0" smtClean="0"/>
+              <a:t>Updating </a:t>
+            </a:r>
+            <a:r>
               <a:rPr lang="en-US" dirty="0" err="1" smtClean="0"/>
-              <a:t>typedef</a:t>
+              <a:t>structs</a:t>
             </a:r>
             <a:endParaRPr lang="en-US" dirty="0"/>
           </a:p>
@@ -5311,7 +5411,7 @@
       </p:sp>
       <p:sp>
         <p:nvSpPr>
-          <p:cNvPr id="6" name="Content Placeholder 5"/>
+          <p:cNvPr id="3" name="Content Placeholder 2"/>
           <p:cNvSpPr>
             <a:spLocks noGrp="1"/>
           </p:cNvSpPr>
@@ -5321,127 +5421,23 @@
         </p:nvSpPr>
         <p:spPr/>
         <p:txBody>
-          <a:bodyPr>
-            <a:normAutofit/>
-          </a:bodyPr>
-          <a:lstStyle/>
-          <a:p>
-            <a:r>
-              <a:rPr lang="en-US" dirty="0" smtClean="0"/>
-              <a:t>You can usually skip the first name !</a:t>
-            </a:r>
+          <a:bodyPr/>
+          <a:lstStyle/>
+          <a:p>
+            <a:r>
+              <a:rPr lang="en-US" dirty="0"/>
+              <a:t>Example:</a:t>
+            </a:r>
+            <a:endParaRPr lang="en-US" dirty="0" smtClean="0"/>
           </a:p>
           <a:p>
             <a:endParaRPr lang="en-US" dirty="0"/>
           </a:p>
           <a:p>
-            <a:endParaRPr lang="en-US" dirty="0" smtClean="0"/>
-          </a:p>
-          <a:p>
-            <a:pPr marL="114300" indent="0">
-              <a:buNone/>
-            </a:pPr>
-            <a:r>
-              <a:rPr lang="en-US" b="1" dirty="0" err="1"/>
-              <a:t>Typedef</a:t>
-            </a:r>
-            <a:r>
-              <a:rPr lang="en-US" b="1" dirty="0"/>
-              <a:t> </a:t>
-            </a:r>
-            <a:r>
-              <a:rPr lang="en-US" b="1" dirty="0" err="1"/>
-              <a:t>struct</a:t>
-            </a:r>
-            <a:r>
-              <a:rPr lang="en-US" b="1" dirty="0"/>
-              <a:t> </a:t>
-            </a:r>
-            <a:r>
-              <a:rPr lang="en-US" b="1" dirty="0" smtClean="0"/>
-              <a:t>{</a:t>
-            </a:r>
-            <a:endParaRPr lang="en-US" b="1" dirty="0"/>
-          </a:p>
-          <a:p>
-            <a:pPr marL="114300" indent="0">
-              <a:buNone/>
-            </a:pPr>
-            <a:r>
-              <a:rPr lang="en-US" b="1" dirty="0"/>
-              <a:t>   </a:t>
-            </a:r>
-            <a:r>
-              <a:rPr lang="en-US" b="1" dirty="0" err="1"/>
-              <a:t>int</a:t>
-            </a:r>
-            <a:r>
-              <a:rPr lang="en-US" b="1" dirty="0"/>
-              <a:t> </a:t>
-            </a:r>
-            <a:r>
-              <a:rPr lang="en-US" b="1" dirty="0" err="1"/>
-              <a:t>cell_no</a:t>
-            </a:r>
-            <a:r>
-              <a:rPr lang="en-US" b="1" dirty="0"/>
-              <a:t>;</a:t>
-            </a:r>
-          </a:p>
-          <a:p>
-            <a:pPr marL="114300" indent="0">
-              <a:buNone/>
-            </a:pPr>
-            <a:r>
-              <a:rPr lang="en-US" b="1" dirty="0"/>
-              <a:t>   float minutes;</a:t>
-            </a:r>
-          </a:p>
-          <a:p>
-            <a:pPr marL="114300" indent="0">
-              <a:buNone/>
-            </a:pPr>
-            <a:r>
-              <a:rPr lang="en-US" b="1" dirty="0"/>
-              <a:t>} phone;</a:t>
-            </a:r>
-          </a:p>
-          <a:p>
-            <a:pPr marL="114300" indent="0">
-              <a:buNone/>
-            </a:pPr>
-            <a:endParaRPr lang="en-US" b="1" dirty="0"/>
-          </a:p>
-          <a:p>
-            <a:pPr marL="114300" indent="0">
-              <a:buNone/>
-            </a:pPr>
-            <a:endParaRPr lang="en-US" b="1" dirty="0">
-              <a:solidFill>
-                <a:srgbClr val="FF0000"/>
-              </a:solidFill>
-            </a:endParaRPr>
-          </a:p>
-          <a:p>
-            <a:pPr>
-              <a:buFont typeface="Arial" charset="0"/>
-              <a:buChar char="•"/>
-            </a:pPr>
-            <a:r>
-              <a:rPr lang="en-US" dirty="0"/>
-              <a:t>phone p = { 5551212, 1.35}</a:t>
-            </a:r>
-          </a:p>
-          <a:p>
-            <a:endParaRPr lang="en-US" dirty="0" smtClean="0"/>
-          </a:p>
-          <a:p>
-            <a:endParaRPr lang="en-US" dirty="0"/>
-          </a:p>
-          <a:p>
-            <a:endParaRPr lang="en-US" dirty="0" smtClean="0"/>
-          </a:p>
-          <a:p>
+            <a:r>
+              <a:rPr lang="en-US" dirty="0" err="1" smtClean="0"/>
+              <a:t>Petbirthday.c</a:t>
+            </a:r>
             <a:endParaRPr lang="en-US" dirty="0"/>
           </a:p>
         </p:txBody>
@@ -5449,13 +5445,20 @@
     </p:spTree>
     <p:extLst>
       <p:ext uri="{BB962C8B-B14F-4D97-AF65-F5344CB8AC3E}">
-        <p14:creationId xmlns:p14="http://schemas.microsoft.com/office/powerpoint/2010/main" val="60603683"/>
+        <p14:creationId xmlns:p14="http://schemas.microsoft.com/office/powerpoint/2010/main" val="367523138"/>
       </p:ext>
     </p:extLst>
   </p:cSld>
   <p:clrMapOvr>
     <a:masterClrMapping/>
   </p:clrMapOvr>
+  <p:timing>
+    <p:tnLst>
+      <p:par>
+        <p:cTn id="1" dur="indefinite" restart="never" nodeType="tmRoot"/>
+      </p:par>
+    </p:tnLst>
+  </p:timing>
 </p:sld>
 </file>
 
@@ -5547,12 +5550,8 @@
           <a:p>
             <a:pPr lvl="1"/>
             <a:r>
-              <a:rPr lang="en-US" dirty="0" err="1" smtClean="0"/>
-              <a:t>Numbe</a:t>
-            </a:r>
-            <a:r>
-              <a:rPr lang="en-US" dirty="0" smtClean="0"/>
-              <a:t> of Teeth</a:t>
+              <a:rPr lang="en-US" dirty="0" smtClean="0"/>
+              <a:t>Number of Teeth</a:t>
             </a:r>
           </a:p>
           <a:p>
@@ -5614,100 +5613,17 @@
   <p:clrMapOvr>
     <a:masterClrMapping/>
   </p:clrMapOvr>
+  <p:timing>
+    <p:tnLst>
+      <p:par>
+        <p:cTn id="1" dur="indefinite" restart="never" nodeType="tmRoot"/>
+      </p:par>
+    </p:tnLst>
+  </p:timing>
 </p:sld>
 </file>
 
 <file path=ppt/slides/slide20.xml><?xml version="1.0" encoding="utf-8"?>
-<p:sld xmlns:a="http://schemas.openxmlformats.org/drawingml/2006/main" xmlns:r="http://schemas.openxmlformats.org/officeDocument/2006/relationships" xmlns:p="http://schemas.openxmlformats.org/presentationml/2006/main">
-  <p:cSld>
-    <p:spTree>
-      <p:nvGrpSpPr>
-        <p:cNvPr id="1" name=""/>
-        <p:cNvGrpSpPr/>
-        <p:nvPr/>
-      </p:nvGrpSpPr>
-      <p:grpSpPr>
-        <a:xfrm>
-          <a:off x="0" y="0"/>
-          <a:ext cx="0" cy="0"/>
-          <a:chOff x="0" y="0"/>
-          <a:chExt cx="0" cy="0"/>
-        </a:xfrm>
-      </p:grpSpPr>
-      <p:sp>
-        <p:nvSpPr>
-          <p:cNvPr id="2" name="Title 1"/>
-          <p:cNvSpPr>
-            <a:spLocks noGrp="1"/>
-          </p:cNvSpPr>
-          <p:nvPr>
-            <p:ph type="title"/>
-          </p:nvPr>
-        </p:nvSpPr>
-        <p:spPr/>
-        <p:txBody>
-          <a:bodyPr/>
-          <a:lstStyle/>
-          <a:p>
-            <a:r>
-              <a:rPr lang="en-US" dirty="0" smtClean="0"/>
-              <a:t>Updating </a:t>
-            </a:r>
-            <a:r>
-              <a:rPr lang="en-US" dirty="0" err="1" smtClean="0"/>
-              <a:t>structs</a:t>
-            </a:r>
-            <a:endParaRPr lang="en-US" dirty="0"/>
-          </a:p>
-        </p:txBody>
-      </p:sp>
-      <p:sp>
-        <p:nvSpPr>
-          <p:cNvPr id="3" name="Content Placeholder 2"/>
-          <p:cNvSpPr>
-            <a:spLocks noGrp="1"/>
-          </p:cNvSpPr>
-          <p:nvPr>
-            <p:ph idx="1"/>
-          </p:nvPr>
-        </p:nvSpPr>
-        <p:spPr/>
-        <p:txBody>
-          <a:bodyPr/>
-          <a:lstStyle/>
-          <a:p>
-            <a:r>
-              <a:rPr lang="en-US" dirty="0"/>
-              <a:t>Example:</a:t>
-            </a:r>
-            <a:endParaRPr lang="en-US" dirty="0" smtClean="0"/>
-          </a:p>
-          <a:p>
-            <a:endParaRPr lang="en-US" dirty="0"/>
-          </a:p>
-          <a:p>
-            <a:r>
-              <a:rPr lang="en-US" dirty="0" err="1" smtClean="0"/>
-              <a:t>Petbirthday.c</a:t>
-            </a:r>
-            <a:endParaRPr lang="en-US" dirty="0"/>
-          </a:p>
-        </p:txBody>
-      </p:sp>
-    </p:spTree>
-    <p:extLst>
-      <p:ext uri="{BB962C8B-B14F-4D97-AF65-F5344CB8AC3E}">
-        <p14:creationId xmlns:p14="http://schemas.microsoft.com/office/powerpoint/2010/main" val="367523138"/>
-      </p:ext>
-    </p:extLst>
-  </p:cSld>
-  <p:clrMapOvr>
-    <a:masterClrMapping/>
-  </p:clrMapOvr>
-</p:sld>
-</file>
-
-<file path=ppt/slides/slide21.xml><?xml version="1.0" encoding="utf-8"?>
 <p:sld xmlns:a="http://schemas.openxmlformats.org/drawingml/2006/main" xmlns:r="http://schemas.openxmlformats.org/officeDocument/2006/relationships" xmlns:p="http://schemas.openxmlformats.org/presentationml/2006/main">
   <p:cSld>
     <p:spTree>
@@ -5809,6 +5725,179 @@
   <p:clrMapOvr>
     <a:masterClrMapping/>
   </p:clrMapOvr>
+  <p:timing>
+    <p:tnLst>
+      <p:par>
+        <p:cTn id="1" dur="indefinite" restart="never" nodeType="tmRoot"/>
+      </p:par>
+    </p:tnLst>
+  </p:timing>
+</p:sld>
+</file>
+
+<file path=ppt/slides/slide21.xml><?xml version="1.0" encoding="utf-8"?>
+<p:sld xmlns:a="http://schemas.openxmlformats.org/drawingml/2006/main" xmlns:r="http://schemas.openxmlformats.org/officeDocument/2006/relationships" xmlns:p="http://schemas.openxmlformats.org/presentationml/2006/main">
+  <p:cSld>
+    <p:spTree>
+      <p:nvGrpSpPr>
+        <p:cNvPr id="1" name=""/>
+        <p:cNvGrpSpPr/>
+        <p:nvPr/>
+      </p:nvGrpSpPr>
+      <p:grpSpPr>
+        <a:xfrm>
+          <a:off x="0" y="0"/>
+          <a:ext cx="0" cy="0"/>
+          <a:chOff x="0" y="0"/>
+          <a:chExt cx="0" cy="0"/>
+        </a:xfrm>
+      </p:grpSpPr>
+      <p:sp>
+        <p:nvSpPr>
+          <p:cNvPr id="2" name="Title 1"/>
+          <p:cNvSpPr>
+            <a:spLocks noGrp="1"/>
+          </p:cNvSpPr>
+          <p:nvPr>
+            <p:ph type="title"/>
+          </p:nvPr>
+        </p:nvSpPr>
+        <p:spPr/>
+        <p:txBody>
+          <a:bodyPr/>
+          <a:lstStyle/>
+          <a:p>
+            <a:r>
+              <a:rPr lang="en-US" dirty="0" smtClean="0"/>
+              <a:t>Try it:</a:t>
+            </a:r>
+            <a:endParaRPr lang="en-US" dirty="0"/>
+          </a:p>
+        </p:txBody>
+      </p:sp>
+      <p:sp>
+        <p:nvSpPr>
+          <p:cNvPr id="3" name="Content Placeholder 2"/>
+          <p:cNvSpPr>
+            <a:spLocks noGrp="1"/>
+          </p:cNvSpPr>
+          <p:nvPr>
+            <p:ph idx="1"/>
+          </p:nvPr>
+        </p:nvSpPr>
+        <p:spPr/>
+        <p:txBody>
+          <a:bodyPr>
+            <a:normAutofit fontScale="92500" lnSpcReduction="20000"/>
+          </a:bodyPr>
+          <a:lstStyle/>
+          <a:p>
+            <a:r>
+              <a:rPr lang="en-US" dirty="0" smtClean="0"/>
+              <a:t>We want to record:</a:t>
+            </a:r>
+          </a:p>
+          <a:p>
+            <a:endParaRPr lang="en-US" dirty="0"/>
+          </a:p>
+          <a:p>
+            <a:r>
+              <a:rPr lang="en-US" dirty="0" smtClean="0"/>
+              <a:t>Exercise:</a:t>
+            </a:r>
+          </a:p>
+          <a:p>
+            <a:pPr lvl="1"/>
+            <a:r>
+              <a:rPr lang="en-US" dirty="0" smtClean="0"/>
+              <a:t>Description</a:t>
+            </a:r>
+          </a:p>
+          <a:p>
+            <a:pPr lvl="1"/>
+            <a:r>
+              <a:rPr lang="en-US" dirty="0" smtClean="0"/>
+              <a:t>Duration</a:t>
+            </a:r>
+          </a:p>
+          <a:p>
+            <a:pPr lvl="1"/>
+            <a:endParaRPr lang="en-US" dirty="0"/>
+          </a:p>
+          <a:p>
+            <a:r>
+              <a:rPr lang="en-US" dirty="0" smtClean="0"/>
+              <a:t>Meal:</a:t>
+            </a:r>
+          </a:p>
+          <a:p>
+            <a:pPr lvl="1"/>
+            <a:r>
+              <a:rPr lang="en-US" dirty="0" smtClean="0"/>
+              <a:t>Ingredients</a:t>
+            </a:r>
+          </a:p>
+          <a:p>
+            <a:pPr lvl="1"/>
+            <a:r>
+              <a:rPr lang="en-US" dirty="0" smtClean="0"/>
+              <a:t>Weight</a:t>
+            </a:r>
+          </a:p>
+          <a:p>
+            <a:pPr lvl="1"/>
+            <a:endParaRPr lang="en-US" dirty="0"/>
+          </a:p>
+          <a:p>
+            <a:r>
+              <a:rPr lang="en-US" dirty="0" smtClean="0"/>
+              <a:t>Preferences:</a:t>
+            </a:r>
+          </a:p>
+          <a:p>
+            <a:pPr lvl="1"/>
+            <a:r>
+              <a:rPr lang="en-US" dirty="0" smtClean="0"/>
+              <a:t>Food</a:t>
+            </a:r>
+          </a:p>
+          <a:p>
+            <a:pPr lvl="1"/>
+            <a:r>
+              <a:rPr lang="en-US" dirty="0" smtClean="0"/>
+              <a:t>Exercise</a:t>
+            </a:r>
+          </a:p>
+          <a:p>
+            <a:pPr lvl="1"/>
+            <a:endParaRPr lang="en-US" dirty="0"/>
+          </a:p>
+          <a:p>
+            <a:r>
+              <a:rPr lang="en-US" dirty="0" smtClean="0"/>
+              <a:t>In addition to the Pet data </a:t>
+            </a:r>
+            <a:endParaRPr lang="en-US" dirty="0"/>
+          </a:p>
+        </p:txBody>
+      </p:sp>
+    </p:spTree>
+    <p:extLst>
+      <p:ext uri="{BB962C8B-B14F-4D97-AF65-F5344CB8AC3E}">
+        <p14:creationId xmlns:p14="http://schemas.microsoft.com/office/powerpoint/2010/main" val="109788240"/>
+      </p:ext>
+    </p:extLst>
+  </p:cSld>
+  <p:clrMapOvr>
+    <a:masterClrMapping/>
+  </p:clrMapOvr>
+  <p:timing>
+    <p:tnLst>
+      <p:par>
+        <p:cTn id="1" dur="indefinite" restart="never" nodeType="tmRoot"/>
+      </p:par>
+    </p:tnLst>
+  </p:timing>
 </p:sld>
 </file>
 
@@ -5920,6 +6009,13 @@
   <p:clrMapOvr>
     <a:masterClrMapping/>
   </p:clrMapOvr>
+  <p:timing>
+    <p:tnLst>
+      <p:par>
+        <p:cTn id="1" dur="indefinite" restart="never" nodeType="tmRoot"/>
+      </p:par>
+    </p:tnLst>
+  </p:timing>
 </p:sld>
 </file>
 
@@ -6096,6 +6192,13 @@
   <p:clrMapOvr>
     <a:masterClrMapping/>
   </p:clrMapOvr>
+  <p:timing>
+    <p:tnLst>
+      <p:par>
+        <p:cTn id="1" dur="indefinite" restart="never" nodeType="tmRoot"/>
+      </p:par>
+    </p:tnLst>
+  </p:timing>
 </p:sld>
 </file>
 
@@ -6189,6 +6292,13 @@
   <p:clrMapOvr>
     <a:masterClrMapping/>
   </p:clrMapOvr>
+  <p:timing>
+    <p:tnLst>
+      <p:par>
+        <p:cTn id="1" dur="indefinite" restart="never" nodeType="tmRoot"/>
+      </p:par>
+    </p:tnLst>
+  </p:timing>
 </p:sld>
 </file>
 
@@ -6346,6 +6456,13 @@
   <p:clrMapOvr>
     <a:masterClrMapping/>
   </p:clrMapOvr>
+  <p:timing>
+    <p:tnLst>
+      <p:par>
+        <p:cTn id="1" dur="indefinite" restart="never" nodeType="tmRoot"/>
+      </p:par>
+    </p:tnLst>
+  </p:timing>
 </p:sld>
 </file>
 
@@ -6422,6 +6539,13 @@
   <p:clrMapOvr>
     <a:masterClrMapping/>
   </p:clrMapOvr>
+  <p:timing>
+    <p:tnLst>
+      <p:par>
+        <p:cTn id="1" dur="indefinite" restart="never" nodeType="tmRoot"/>
+      </p:par>
+    </p:tnLst>
+  </p:timing>
 </p:sld>
 </file>
 
@@ -6504,6 +6628,13 @@
   <p:clrMapOvr>
     <a:masterClrMapping/>
   </p:clrMapOvr>
+  <p:timing>
+    <p:tnLst>
+      <p:par>
+        <p:cTn id="1" dur="indefinite" restart="never" nodeType="tmRoot"/>
+      </p:par>
+    </p:tnLst>
+  </p:timing>
 </p:sld>
 </file>
 
@@ -6611,6 +6742,13 @@
   <p:clrMapOvr>
     <a:masterClrMapping/>
   </p:clrMapOvr>
+  <p:timing>
+    <p:tnLst>
+      <p:par>
+        <p:cTn id="1" dur="indefinite" restart="never" nodeType="tmRoot"/>
+      </p:par>
+    </p:tnLst>
+  </p:timing>
 </p:sld>
 </file>
 
@@ -6928,6 +7066,13 @@
   <p:clrMapOvr>
     <a:masterClrMapping/>
   </p:clrMapOvr>
+  <p:timing>
+    <p:tnLst>
+      <p:par>
+        <p:cTn id="1" dur="indefinite" restart="never" nodeType="tmRoot"/>
+      </p:par>
+    </p:tnLst>
+  </p:timing>
 </p:sld>
 </file>
 
@@ -7033,6 +7178,13 @@
   <p:clrMapOvr>
     <a:masterClrMapping/>
   </p:clrMapOvr>
+  <p:timing>
+    <p:tnLst>
+      <p:par>
+        <p:cTn id="1" dur="indefinite" restart="never" nodeType="tmRoot"/>
+      </p:par>
+    </p:tnLst>
+  </p:timing>
 </p:sld>
 </file>
 
@@ -7324,6 +7476,13 @@
   <p:clrMapOvr>
     <a:masterClrMapping/>
   </p:clrMapOvr>
+  <p:timing>
+    <p:tnLst>
+      <p:par>
+        <p:cTn id="1" dur="indefinite" restart="never" nodeType="tmRoot"/>
+      </p:par>
+    </p:tnLst>
+  </p:timing>
 </p:sld>
 </file>
 
@@ -7369,7 +7528,7 @@
       </p:sp>
       <p:pic>
         <p:nvPicPr>
-          <p:cNvPr id="6" name="Content Placeholder 5"/>
+          <p:cNvPr id="8" name="Content Placeholder 7"/>
           <p:cNvPicPr>
             <a:picLocks noGrp="1" noChangeAspect="1"/>
           </p:cNvPicPr>
@@ -7406,6 +7565,13 @@
   <p:clrMapOvr>
     <a:masterClrMapping/>
   </p:clrMapOvr>
+  <p:timing>
+    <p:tnLst>
+      <p:par>
+        <p:cTn id="1" dur="indefinite" restart="never" nodeType="tmRoot"/>
+      </p:par>
+    </p:tnLst>
+  </p:timing>
 </p:sld>
 </file>
 
@@ -7488,6 +7654,13 @@
   <p:clrMapOvr>
     <a:masterClrMapping/>
   </p:clrMapOvr>
+  <p:timing>
+    <p:tnLst>
+      <p:par>
+        <p:cTn id="1" dur="indefinite" restart="never" nodeType="tmRoot"/>
+      </p:par>
+    </p:tnLst>
+  </p:timing>
 </p:sld>
 </file>
 
